--- a/1.Intro_Ethics/CourseIntro-VCCS.pptx
+++ b/1.Intro_Ethics/CourseIntro-VCCS.pptx
@@ -265,7 +265,7 @@
           <a:p>
             <a:fld id="{B7249C76-2762-4821-A958-1D288BC06C91}" type="datetimeFigureOut">
               <a:rPr lang="en-US" smtClean="0"/>
-              <a:t>8/24/2021</a:t>
+              <a:t>8/23/2022</a:t>
             </a:fld>
             <a:endParaRPr lang="en-US"/>
           </a:p>
@@ -463,7 +463,7 @@
           <a:p>
             <a:fld id="{B7249C76-2762-4821-A958-1D288BC06C91}" type="datetimeFigureOut">
               <a:rPr lang="en-US" smtClean="0"/>
-              <a:t>8/24/2021</a:t>
+              <a:t>8/23/2022</a:t>
             </a:fld>
             <a:endParaRPr lang="en-US"/>
           </a:p>
@@ -671,7 +671,7 @@
           <a:p>
             <a:fld id="{B7249C76-2762-4821-A958-1D288BC06C91}" type="datetimeFigureOut">
               <a:rPr lang="en-US" smtClean="0"/>
-              <a:t>8/24/2021</a:t>
+              <a:t>8/23/2022</a:t>
             </a:fld>
             <a:endParaRPr lang="en-US"/>
           </a:p>
@@ -869,7 +869,7 @@
           <a:p>
             <a:fld id="{B7249C76-2762-4821-A958-1D288BC06C91}" type="datetimeFigureOut">
               <a:rPr lang="en-US" smtClean="0"/>
-              <a:t>8/24/2021</a:t>
+              <a:t>8/23/2022</a:t>
             </a:fld>
             <a:endParaRPr lang="en-US"/>
           </a:p>
@@ -1144,7 +1144,7 @@
           <a:p>
             <a:fld id="{B7249C76-2762-4821-A958-1D288BC06C91}" type="datetimeFigureOut">
               <a:rPr lang="en-US" smtClean="0"/>
-              <a:t>8/24/2021</a:t>
+              <a:t>8/23/2022</a:t>
             </a:fld>
             <a:endParaRPr lang="en-US"/>
           </a:p>
@@ -1409,7 +1409,7 @@
           <a:p>
             <a:fld id="{B7249C76-2762-4821-A958-1D288BC06C91}" type="datetimeFigureOut">
               <a:rPr lang="en-US" smtClean="0"/>
-              <a:t>8/24/2021</a:t>
+              <a:t>8/23/2022</a:t>
             </a:fld>
             <a:endParaRPr lang="en-US"/>
           </a:p>
@@ -1821,7 +1821,7 @@
           <a:p>
             <a:fld id="{B7249C76-2762-4821-A958-1D288BC06C91}" type="datetimeFigureOut">
               <a:rPr lang="en-US" smtClean="0"/>
-              <a:t>8/24/2021</a:t>
+              <a:t>8/23/2022</a:t>
             </a:fld>
             <a:endParaRPr lang="en-US"/>
           </a:p>
@@ -1962,7 +1962,7 @@
           <a:p>
             <a:fld id="{B7249C76-2762-4821-A958-1D288BC06C91}" type="datetimeFigureOut">
               <a:rPr lang="en-US" smtClean="0"/>
-              <a:t>8/24/2021</a:t>
+              <a:t>8/23/2022</a:t>
             </a:fld>
             <a:endParaRPr lang="en-US"/>
           </a:p>
@@ -2075,7 +2075,7 @@
           <a:p>
             <a:fld id="{B7249C76-2762-4821-A958-1D288BC06C91}" type="datetimeFigureOut">
               <a:rPr lang="en-US" smtClean="0"/>
-              <a:t>8/24/2021</a:t>
+              <a:t>8/23/2022</a:t>
             </a:fld>
             <a:endParaRPr lang="en-US"/>
           </a:p>
@@ -2386,7 +2386,7 @@
           <a:p>
             <a:fld id="{B7249C76-2762-4821-A958-1D288BC06C91}" type="datetimeFigureOut">
               <a:rPr lang="en-US" smtClean="0"/>
-              <a:t>8/24/2021</a:t>
+              <a:t>8/23/2022</a:t>
             </a:fld>
             <a:endParaRPr lang="en-US"/>
           </a:p>
@@ -2674,7 +2674,7 @@
           <a:p>
             <a:fld id="{B7249C76-2762-4821-A958-1D288BC06C91}" type="datetimeFigureOut">
               <a:rPr lang="en-US" smtClean="0"/>
-              <a:t>8/24/2021</a:t>
+              <a:t>8/23/2022</a:t>
             </a:fld>
             <a:endParaRPr lang="en-US"/>
           </a:p>
@@ -2915,7 +2915,7 @@
           <a:p>
             <a:fld id="{B7249C76-2762-4821-A958-1D288BC06C91}" type="datetimeFigureOut">
               <a:rPr lang="en-US" smtClean="0"/>
-              <a:t>8/24/2021</a:t>
+              <a:t>8/23/2022</a:t>
             </a:fld>
             <a:endParaRPr lang="en-US"/>
           </a:p>
@@ -3395,8 +3395,12 @@
           </a:p>
           <a:p>
             <a:r>
+              <a:rPr lang="en-US"/>
+              <a:t>Fall 2022 </a:t>
+            </a:r>
+            <a:r>
               <a:rPr lang="en-US" dirty="0"/>
-              <a:t>Fall 2021 John York</a:t>
+              <a:t>John York</a:t>
             </a:r>
           </a:p>
         </p:txBody>
